--- a/py4viz slides.pptx
+++ b/py4viz slides.pptx
@@ -7290,7 +7290,7 @@
         <p:spPr>
           <a:xfrm>
             <a:off x="6417732" y="4421471"/>
-            <a:ext cx="6096000" cy="1077218"/>
+            <a:ext cx="6096000" cy="1569660"/>
           </a:xfrm>
           <a:prstGeom prst="rect">
             <a:avLst/>
@@ -7312,7 +7312,37 @@
                 <a:ea typeface="+mj-ea"/>
                 <a:cs typeface="+mj-cs"/>
               </a:rPr>
-              <a:t>By Maxim Stepanyants &amp; </a:t>
+              <a:t>By Maxim </a:t>
+            </a:r>
+            <a:r>
+              <a:rPr lang="en-US" sz="3200" kern="1200" dirty="0" err="1">
+                <a:solidFill>
+                  <a:schemeClr val="tx1"/>
+                </a:solidFill>
+                <a:latin typeface="+mj-lt"/>
+                <a:ea typeface="+mj-ea"/>
+                <a:cs typeface="+mj-cs"/>
+              </a:rPr>
+              <a:t>Stepanyants</a:t>
+            </a:r>
+            <a:r>
+              <a:rPr lang="en-US" sz="3200" dirty="0">
+                <a:latin typeface="+mj-lt"/>
+                <a:ea typeface="+mj-ea"/>
+                <a:cs typeface="+mj-cs"/>
+              </a:rPr>
+              <a:t>, </a:t>
+            </a:r>
+            <a:r>
+              <a:rPr lang="en-US" sz="3200" kern="1200" dirty="0">
+                <a:solidFill>
+                  <a:schemeClr val="tx1"/>
+                </a:solidFill>
+                <a:latin typeface="+mj-lt"/>
+                <a:ea typeface="+mj-ea"/>
+                <a:cs typeface="+mj-cs"/>
+              </a:rPr>
+              <a:t> </a:t>
             </a:r>
           </a:p>
           <a:p>
@@ -7333,7 +7363,18 @@
                 <a:ea typeface="+mj-ea"/>
                 <a:cs typeface="+mj-cs"/>
               </a:rPr>
-              <a:t> </a:t>
+              <a:t> &amp; Irina </a:t>
+            </a:r>
+            <a:r>
+              <a:rPr lang="en-US" sz="3200" kern="1200" dirty="0" err="1">
+                <a:solidFill>
+                  <a:schemeClr val="tx1"/>
+                </a:solidFill>
+                <a:latin typeface="+mj-lt"/>
+                <a:ea typeface="+mj-ea"/>
+                <a:cs typeface="+mj-cs"/>
+              </a:rPr>
+              <a:t>Khochetkhova</a:t>
             </a:r>
             <a:endParaRPr lang="ru-RU" sz="3200" dirty="0"/>
           </a:p>
@@ -7531,6 +7572,36 @@
           </a:p>
         </p:txBody>
       </p:sp>
+      <p:pic>
+        <p:nvPicPr>
+          <p:cNvPr id="4" name="Рисунок 3">
+            <a:extLst>
+              <a:ext uri="{FF2B5EF4-FFF2-40B4-BE49-F238E27FC236}">
+                <a16:creationId xmlns:a16="http://schemas.microsoft.com/office/drawing/2014/main" id="{B2739764-DFCE-E97C-3A44-2413E2DB3465}"/>
+              </a:ext>
+            </a:extLst>
+          </p:cNvPr>
+          <p:cNvPicPr>
+            <a:picLocks noChangeAspect="1"/>
+          </p:cNvPicPr>
+          <p:nvPr/>
+        </p:nvPicPr>
+        <p:blipFill>
+          <a:blip r:embed="rId2"/>
+          <a:stretch>
+            <a:fillRect/>
+          </a:stretch>
+        </p:blipFill>
+        <p:spPr>
+          <a:xfrm>
+            <a:off x="11063247" y="5256682"/>
+            <a:ext cx="581106" cy="857370"/>
+          </a:xfrm>
+          <a:prstGeom prst="rect">
+            <a:avLst/>
+          </a:prstGeom>
+        </p:spPr>
+      </p:pic>
     </p:spTree>
     <p:extLst>
       <p:ext uri="{BB962C8B-B14F-4D97-AF65-F5344CB8AC3E}">
@@ -8585,6 +8656,36 @@
           </a:p>
         </p:txBody>
       </p:sp>
+      <p:pic>
+        <p:nvPicPr>
+          <p:cNvPr id="5" name="Рисунок 4">
+            <a:extLst>
+              <a:ext uri="{FF2B5EF4-FFF2-40B4-BE49-F238E27FC236}">
+                <a16:creationId xmlns:a16="http://schemas.microsoft.com/office/drawing/2014/main" id="{85B409C7-B043-2D5E-A8E0-EDEF753FAE87}"/>
+              </a:ext>
+            </a:extLst>
+          </p:cNvPr>
+          <p:cNvPicPr>
+            <a:picLocks noChangeAspect="1"/>
+          </p:cNvPicPr>
+          <p:nvPr/>
+        </p:nvPicPr>
+        <p:blipFill>
+          <a:blip r:embed="rId2"/>
+          <a:stretch>
+            <a:fillRect/>
+          </a:stretch>
+        </p:blipFill>
+        <p:spPr>
+          <a:xfrm>
+            <a:off x="11063247" y="5256682"/>
+            <a:ext cx="581106" cy="857370"/>
+          </a:xfrm>
+          <a:prstGeom prst="rect">
+            <a:avLst/>
+          </a:prstGeom>
+        </p:spPr>
+      </p:pic>
     </p:spTree>
     <p:extLst>
       <p:ext uri="{BB962C8B-B14F-4D97-AF65-F5344CB8AC3E}">

--- a/py4viz slides.pptx
+++ b/py4viz slides.pptx
@@ -8638,10 +8638,15 @@
             <p:ph idx="1"/>
           </p:nvPr>
         </p:nvSpPr>
-        <p:spPr/>
+        <p:spPr>
+          <a:xfrm>
+            <a:off x="838200" y="1446802"/>
+            <a:ext cx="10515600" cy="4667250"/>
+          </a:xfrm>
+        </p:spPr>
         <p:txBody>
           <a:bodyPr>
-            <a:normAutofit/>
+            <a:normAutofit lnSpcReduction="10000"/>
           </a:bodyPr>
           <a:lstStyle/>
           <a:p>
@@ -8651,6 +8656,22 @@
             <a:r>
               <a:rPr lang="en-US" sz="4000" dirty="0"/>
               <a:t>We have attempted to prove that an author reaches rank #1 quite often, provided that they have multiple works on the bestsellers list</a:t>
+            </a:r>
+            <a:endParaRPr lang="ru-RU" sz="4000" dirty="0"/>
+          </a:p>
+          <a:p>
+            <a:pPr marL="0" indent="0">
+              <a:buNone/>
+            </a:pPr>
+            <a:endParaRPr lang="ru-RU" sz="4000" dirty="0"/>
+          </a:p>
+          <a:p>
+            <a:pPr marL="0" indent="0">
+              <a:buNone/>
+            </a:pPr>
+            <a:r>
+              <a:rPr lang="en-US" sz="4000" dirty="0"/>
+              <a:t>The Pearson correlation between the best rank and the number of bestsellers of an author is, indeed, -0.36</a:t>
             </a:r>
             <a:endParaRPr lang="ru-RU" sz="4000" dirty="0"/>
           </a:p>
